--- a/artifacts/demo/BinaryBrains_GAIED.pptx
+++ b/artifacts/demo/BinaryBrains_GAIED.pptx
@@ -7,11 +7,11 @@
   <p:sldIdLst>
     <p:sldId id="256" r:id="rId3"/>
     <p:sldId id="257" r:id="rId4"/>
-    <p:sldId id="258" r:id="rId5"/>
-    <p:sldId id="259" r:id="rId6"/>
-    <p:sldId id="260" r:id="rId7"/>
-    <p:sldId id="261" r:id="rId8"/>
-    <p:sldId id="262" r:id="rId9"/>
+    <p:sldId id="263" r:id="rId5"/>
+    <p:sldId id="264" r:id="rId6"/>
+    <p:sldId id="258" r:id="rId7"/>
+    <p:sldId id="259" r:id="rId8"/>
+    <p:sldId id="260" r:id="rId9"/>
   </p:sldIdLst>
   <p:sldSz cx="9144000" cy="6858000" type="screen4x3"/>
   <p:notesSz cx="6858000" cy="9144000"/>
@@ -3079,14 +3079,36 @@
         </p:nvSpPr>
         <p:spPr/>
         <p:txBody>
-          <a:bodyPr/>
-          <a:lstStyle/>
-          <a:p>
-            <a:r>
-              <a:rPr lang="en-GB"/>
-              <a:t>Gen AI Based Email classification and OCR</a:t>
-            </a:r>
-            <a:endParaRPr lang="en-GB"/>
+          <a:bodyPr>
+            <a:scene3d>
+              <a:camera prst="orthographicFront"/>
+              <a:lightRig rig="soft" dir="t">
+                <a:rot lat="0" lon="0" rev="15600000"/>
+              </a:lightRig>
+            </a:scene3d>
+            <a:sp3d extrusionH="57150" prstMaterial="softEdge">
+              <a:bevelT w="25400" h="38100"/>
+            </a:sp3d>
+          </a:bodyPr>
+          <a:lstStyle/>
+          <a:p>
+            <a:r>
+              <a:rPr lang="en-GB">
+                <a:ln/>
+                <a:solidFill>
+                  <a:schemeClr val="accent4"/>
+                </a:solidFill>
+                <a:effectLst/>
+              </a:rPr>
+              <a:t>Gen AI Based Email Triageand OCR</a:t>
+            </a:r>
+            <a:endParaRPr lang="en-GB">
+              <a:ln/>
+              <a:solidFill>
+                <a:schemeClr val="accent4"/>
+              </a:solidFill>
+              <a:effectLst/>
+            </a:endParaRPr>
           </a:p>
         </p:txBody>
       </p:sp>
@@ -3102,7 +3124,7 @@
         </p:nvSpPr>
         <p:spPr>
           <a:xfrm>
-            <a:off x="1371600" y="3886200"/>
+            <a:off x="3499485" y="3886200"/>
             <a:ext cx="7289165" cy="688340"/>
           </a:xfrm>
         </p:spPr>
@@ -3131,7 +3153,7 @@
         </p:nvSpPr>
         <p:spPr>
           <a:xfrm>
-            <a:off x="4189095" y="4368800"/>
+            <a:off x="6026150" y="4316095"/>
             <a:ext cx="3048000" cy="368300"/>
           </a:xfrm>
           <a:prstGeom prst="rect">
@@ -3146,7 +3168,7 @@
           <a:p>
             <a:r>
               <a:rPr lang="en-GB" altLang="en-US"/>
-              <a:t>(Divya &amp; Yamini)</a:t>
+              <a:t>(A.Divyakala &amp; P.Yamini)</a:t>
             </a:r>
             <a:endParaRPr lang="en-GB" altLang="en-US"/>
           </a:p>
@@ -3182,12 +3204,46 @@
         </p:nvSpPr>
         <p:spPr/>
         <p:txBody>
-          <a:bodyPr/>
-          <a:lstStyle/>
-          <a:p>
-            <a:r>
-              <a:t>Introduction</a:t>
-            </a:r>
+          <a:bodyPr>
+            <a:scene3d>
+              <a:camera prst="orthographicFront"/>
+              <a:lightRig rig="soft" dir="t">
+                <a:rot lat="0" lon="0" rev="15600000"/>
+              </a:lightRig>
+            </a:scene3d>
+            <a:sp3d extrusionH="57150" prstMaterial="softEdge">
+              <a:bevelT w="25400" h="38100"/>
+            </a:sp3d>
+          </a:bodyPr>
+          <a:lstStyle/>
+          <a:p>
+            <a:r>
+              <a:rPr lang="en-GB">
+                <a:ln/>
+                <a:solidFill>
+                  <a:schemeClr val="accent4"/>
+                </a:solidFill>
+                <a:effectLst/>
+              </a:rPr>
+              <a:t>I</a:t>
+            </a:r>
+            <a:r>
+              <a:rPr>
+                <a:ln/>
+                <a:solidFill>
+                  <a:schemeClr val="accent4"/>
+                </a:solidFill>
+                <a:effectLst/>
+              </a:rPr>
+              <a:t>ntroduction</a:t>
+            </a:r>
+            <a:endParaRPr>
+              <a:ln/>
+              <a:solidFill>
+                <a:schemeClr val="accent4"/>
+              </a:solidFill>
+              <a:effectLst/>
+            </a:endParaRPr>
           </a:p>
         </p:txBody>
       </p:sp>
@@ -3206,9 +3262,62 @@
           <a:bodyPr/>
           <a:lstStyle/>
           <a:p>
-            <a:r>
+            <a:pPr marL="0" indent="0">
+              <a:buNone/>
+            </a:pPr>
+            <a:r>
+              <a:rPr lang="en-GB" sz="2000" i="1" u="sng"/>
+              <a:t>Problem statement:</a:t>
+            </a:r>
+            <a:endParaRPr lang="en-GB" sz="2000" i="1" u="sng"/>
+          </a:p>
+          <a:p>
+            <a:pPr marL="0" indent="0">
+              <a:buNone/>
+            </a:pPr>
+            <a:endParaRPr sz="2000"/>
+          </a:p>
+          <a:p>
+            <a:r>
+              <a:rPr sz="2000"/>
               <a:t>This system automates service ticket creation by extracting text from emails and attachments, analyzing content using AI, and generating tickets based on confidence scores.</a:t>
             </a:r>
+            <a:endParaRPr sz="2000"/>
+          </a:p>
+          <a:p>
+            <a:endParaRPr sz="2000"/>
+          </a:p>
+          <a:p>
+            <a:pPr marL="0" indent="0">
+              <a:buNone/>
+            </a:pPr>
+            <a:r>
+              <a:rPr lang="en-GB" sz="2000" i="1" u="sng"/>
+              <a:t>Importance of having Gen AI based Email Triage:</a:t>
+            </a:r>
+            <a:endParaRPr lang="en-GB" sz="2000" i="1" u="sng"/>
+          </a:p>
+          <a:p>
+            <a:r>
+              <a:rPr lang="en-GB" altLang="en-US" sz="2000"/>
+              <a:t>It </a:t>
+            </a:r>
+            <a:r>
+              <a:rPr lang="en-US" altLang="en-GB" sz="2000"/>
+              <a:t>tackle the challenges of email overload and enhances their productivity</a:t>
+            </a:r>
+            <a:endParaRPr lang="en-US" altLang="en-GB" sz="2000"/>
+          </a:p>
+          <a:p>
+            <a:r>
+              <a:rPr lang="en-GB" altLang="en-US" sz="2000"/>
+              <a:t>It </a:t>
+            </a:r>
+            <a:r>
+              <a:rPr lang="en-US" altLang="en-GB" sz="2000"/>
+              <a:t>enable organizations to deliver faster, more efficient, and personalized customer service by automating the classification</a:t>
+            </a:r>
+            <a:endParaRPr lang="en-US" altLang="en-GB" sz="2000"/>
           </a:p>
         </p:txBody>
       </p:sp>
@@ -3242,12 +3351,35 @@
         </p:nvSpPr>
         <p:spPr/>
         <p:txBody>
-          <a:bodyPr/>
-          <a:lstStyle/>
-          <a:p>
-            <a:r>
-              <a:t>Email Processing Layer</a:t>
-            </a:r>
+          <a:bodyPr>
+            <a:scene3d>
+              <a:camera prst="orthographicFront"/>
+              <a:lightRig rig="soft" dir="t">
+                <a:rot lat="0" lon="0" rev="15600000"/>
+              </a:lightRig>
+            </a:scene3d>
+            <a:sp3d extrusionH="57150" prstMaterial="softEdge">
+              <a:bevelT w="25400" h="38100"/>
+            </a:sp3d>
+          </a:bodyPr>
+          <a:p>
+            <a:r>
+              <a:rPr lang="en-GB" altLang="en-US">
+                <a:ln/>
+                <a:solidFill>
+                  <a:schemeClr val="accent4"/>
+                </a:solidFill>
+                <a:effectLst/>
+              </a:rPr>
+              <a:t>Tech stack</a:t>
+            </a:r>
+            <a:endParaRPr lang="en-GB" altLang="en-US">
+              <a:ln/>
+              <a:solidFill>
+                <a:schemeClr val="accent4"/>
+              </a:solidFill>
+              <a:effectLst/>
+            </a:endParaRPr>
           </a:p>
         </p:txBody>
       </p:sp>
@@ -3264,16 +3396,80 @@
         <p:spPr/>
         <p:txBody>
           <a:bodyPr/>
-          <a:lstStyle/>
-          <a:p>
-            <a:r>
-              <a:t>- Extract email body text</a:t>
-            </a:r>
-          </a:p>
-          <a:p>
-            <a:r>
-              <a:t>- Extract attachments (PDF, DOC, etc.) using PyMuPDF, pdfminer.six, or python-docx</a:t>
-            </a:r>
+          <a:p>
+            <a:r>
+              <a:rPr lang="en-US" altLang="en-GB"/>
+              <a:t>uvicorn</a:t>
+            </a:r>
+            <a:r>
+              <a:rPr lang="en-GB" altLang="en-US"/>
+              <a:t>: Server to host</a:t>
+            </a:r>
+            <a:endParaRPr lang="en-GB" altLang="en-US"/>
+          </a:p>
+          <a:p>
+            <a:r>
+              <a:rPr lang="en-US" altLang="en-GB">
+                <a:sym typeface="+mn-ea"/>
+              </a:rPr>
+              <a:t>Llama-3.3-70B-Instruct-Turbo</a:t>
+            </a:r>
+            <a:r>
+              <a:rPr lang="en-GB" altLang="en-US">
+                <a:sym typeface="+mn-ea"/>
+              </a:rPr>
+              <a:t>: Model</a:t>
+            </a:r>
+            <a:endParaRPr lang="en-GB" altLang="en-US"/>
+          </a:p>
+          <a:p>
+            <a:r>
+              <a:rPr lang="en-US" altLang="en-GB">
+                <a:sym typeface="+mn-ea"/>
+              </a:rPr>
+              <a:t>FastAPI</a:t>
+            </a:r>
+            <a:r>
+              <a:rPr lang="en-GB" altLang="en-US">
+                <a:sym typeface="+mn-ea"/>
+              </a:rPr>
+              <a:t>: Framework to connect to Model</a:t>
+            </a:r>
+            <a:endParaRPr lang="en-GB" altLang="en-US">
+              <a:sym typeface="+mn-ea"/>
+            </a:endParaRPr>
+          </a:p>
+          <a:p>
+            <a:r>
+              <a:rPr lang="en-GB" altLang="en-US">
+                <a:sym typeface="+mn-ea"/>
+              </a:rPr>
+              <a:t>NLTK: Lammetiser</a:t>
+            </a:r>
+            <a:endParaRPr lang="en-GB" altLang="en-US">
+              <a:sym typeface="+mn-ea"/>
+            </a:endParaRPr>
+          </a:p>
+          <a:p>
+            <a:r>
+              <a:rPr lang="en-GB" altLang="en-US">
+                <a:sym typeface="+mn-ea"/>
+              </a:rPr>
+              <a:t> </a:t>
+            </a:r>
+            <a:endParaRPr lang="en-GB" altLang="en-US"/>
+          </a:p>
+          <a:p>
+            <a:pPr marL="0" indent="0">
+              <a:buNone/>
+            </a:pPr>
+            <a:endParaRPr lang="en-US" altLang="en-GB"/>
+          </a:p>
+          <a:p>
+            <a:pPr marL="0" indent="0">
+              <a:buNone/>
+            </a:pPr>
+            <a:endParaRPr lang="en-GB" altLang="en-US"/>
           </a:p>
         </p:txBody>
       </p:sp>
@@ -3308,11 +3504,17 @@
         <p:spPr/>
         <p:txBody>
           <a:bodyPr/>
-          <a:lstStyle/>
-          <a:p>
-            <a:r>
-              <a:t>Text Aggregation &amp; Preprocessing</a:t>
-            </a:r>
+          <a:p>
+            <a:r>
+              <a:rPr lang="en-GB" altLang="en-US">
+                <a:solidFill>
+                  <a:schemeClr val="accent4"/>
+                </a:solidFill>
+                <a:effectLst/>
+              </a:rPr>
+              <a:t>Architectural Flow</a:t>
+            </a:r>
+            <a:endParaRPr lang="en-GB" altLang="en-US"/>
           </a:p>
         </p:txBody>
       </p:sp>
@@ -3329,19 +3531,249 @@
         <p:spPr/>
         <p:txBody>
           <a:bodyPr/>
-          <a:lstStyle/>
-          <a:p>
-            <a:r>
-              <a:t>- Combine extracted text</a:t>
-            </a:r>
-          </a:p>
-          <a:p>
-            <a:r>
-              <a:t>- Clean and normalize data</a:t>
-            </a:r>
-          </a:p>
-        </p:txBody>
-      </p:sp>
+          <a:p>
+            <a:endParaRPr lang="en-GB" altLang="en-US"/>
+          </a:p>
+        </p:txBody>
+      </p:sp>
+      <p:sp>
+        <p:nvSpPr>
+          <p:cNvPr id="4" name="Rectangles 3"/>
+          <p:cNvSpPr/>
+          <p:nvPr/>
+        </p:nvSpPr>
+        <p:spPr>
+          <a:xfrm>
+            <a:off x="1274445" y="2188210"/>
+            <a:ext cx="1304925" cy="1086485"/>
+          </a:xfrm>
+          <a:prstGeom prst="rect">
+            <a:avLst/>
+          </a:prstGeom>
+        </p:spPr>
+        <p:style>
+          <a:lnRef idx="1">
+            <a:schemeClr val="accent1"/>
+          </a:lnRef>
+          <a:fillRef idx="3">
+            <a:schemeClr val="accent1"/>
+          </a:fillRef>
+          <a:effectRef idx="2">
+            <a:schemeClr val="accent1"/>
+          </a:effectRef>
+          <a:fontRef idx="minor">
+            <a:schemeClr val="lt1"/>
+          </a:fontRef>
+        </p:style>
+        <p:txBody>
+          <a:bodyPr/>
+          <a:p>
+            <a:r>
+              <a:rPr lang="en-GB" altLang="en-US"/>
+              <a:t>Email processing Layer</a:t>
+            </a:r>
+            <a:endParaRPr lang="en-GB" altLang="en-US"/>
+          </a:p>
+        </p:txBody>
+      </p:sp>
+      <p:sp>
+        <p:nvSpPr>
+          <p:cNvPr id="5" name="Right Arrow 4"/>
+          <p:cNvSpPr/>
+          <p:nvPr/>
+        </p:nvSpPr>
+        <p:spPr>
+          <a:xfrm>
+            <a:off x="3032760" y="2628265"/>
+            <a:ext cx="717550" cy="271145"/>
+          </a:xfrm>
+          <a:prstGeom prst="rightArrow">
+            <a:avLst/>
+          </a:prstGeom>
+        </p:spPr>
+        <p:style>
+          <a:lnRef idx="1">
+            <a:schemeClr val="accent1"/>
+          </a:lnRef>
+          <a:fillRef idx="3">
+            <a:schemeClr val="accent1"/>
+          </a:fillRef>
+          <a:effectRef idx="2">
+            <a:schemeClr val="accent1"/>
+          </a:effectRef>
+          <a:fontRef idx="minor">
+            <a:schemeClr val="lt1"/>
+          </a:fontRef>
+        </p:style>
+        <p:txBody>
+          <a:bodyPr/>
+          <a:p>
+            <a:endParaRPr lang="en-GB" altLang="en-US"/>
+          </a:p>
+        </p:txBody>
+      </p:sp>
+      <p:sp>
+        <p:nvSpPr>
+          <p:cNvPr id="7" name="Rectangles 6"/>
+          <p:cNvSpPr/>
+          <p:nvPr/>
+        </p:nvSpPr>
+        <p:spPr>
+          <a:xfrm>
+            <a:off x="3963035" y="2220595"/>
+            <a:ext cx="1339850" cy="1086485"/>
+          </a:xfrm>
+          <a:prstGeom prst="rect">
+            <a:avLst/>
+          </a:prstGeom>
+        </p:spPr>
+        <p:style>
+          <a:lnRef idx="1">
+            <a:schemeClr val="accent1"/>
+          </a:lnRef>
+          <a:fillRef idx="3">
+            <a:schemeClr val="accent1"/>
+          </a:fillRef>
+          <a:effectRef idx="2">
+            <a:schemeClr val="accent1"/>
+          </a:effectRef>
+          <a:fontRef idx="minor">
+            <a:schemeClr val="lt1"/>
+          </a:fontRef>
+        </p:style>
+        <p:txBody>
+          <a:bodyPr/>
+          <a:p>
+            <a:endParaRPr lang="en-US" altLang="en-GB">
+              <a:sym typeface="+mn-ea"/>
+            </a:endParaRPr>
+          </a:p>
+          <a:p>
+            <a:r>
+              <a:rPr lang="en-US" altLang="en-GB">
+                <a:sym typeface="+mn-ea"/>
+              </a:rPr>
+              <a:t>Llama</a:t>
+            </a:r>
+            <a:r>
+              <a:rPr lang="en-GB" altLang="en-US">
+                <a:sym typeface="+mn-ea"/>
+              </a:rPr>
+              <a:t>            Model</a:t>
+            </a:r>
+            <a:endParaRPr lang="en-GB" altLang="en-US">
+              <a:sym typeface="+mn-ea"/>
+            </a:endParaRPr>
+          </a:p>
+        </p:txBody>
+      </p:sp>
+      <p:sp>
+        <p:nvSpPr>
+          <p:cNvPr id="8" name="Right Arrow 7"/>
+          <p:cNvSpPr/>
+          <p:nvPr/>
+        </p:nvSpPr>
+        <p:spPr>
+          <a:xfrm>
+            <a:off x="5515610" y="2628265"/>
+            <a:ext cx="717550" cy="271145"/>
+          </a:xfrm>
+          <a:prstGeom prst="rightArrow">
+            <a:avLst/>
+          </a:prstGeom>
+        </p:spPr>
+        <p:style>
+          <a:lnRef idx="1">
+            <a:schemeClr val="accent1"/>
+          </a:lnRef>
+          <a:fillRef idx="3">
+            <a:schemeClr val="accent1"/>
+          </a:fillRef>
+          <a:effectRef idx="2">
+            <a:schemeClr val="accent1"/>
+          </a:effectRef>
+          <a:fontRef idx="minor">
+            <a:schemeClr val="lt1"/>
+          </a:fontRef>
+        </p:style>
+        <p:txBody>
+          <a:bodyPr/>
+          <a:p>
+            <a:endParaRPr lang="en-GB" altLang="en-US"/>
+          </a:p>
+        </p:txBody>
+      </p:sp>
+      <p:sp>
+        <p:nvSpPr>
+          <p:cNvPr id="9" name="Rectangles 8"/>
+          <p:cNvSpPr/>
+          <p:nvPr/>
+        </p:nvSpPr>
+        <p:spPr>
+          <a:xfrm>
+            <a:off x="6445885" y="2220595"/>
+            <a:ext cx="1304925" cy="1086485"/>
+          </a:xfrm>
+          <a:prstGeom prst="rect">
+            <a:avLst/>
+          </a:prstGeom>
+        </p:spPr>
+        <p:style>
+          <a:lnRef idx="1">
+            <a:schemeClr val="accent1"/>
+          </a:lnRef>
+          <a:fillRef idx="3">
+            <a:schemeClr val="accent1"/>
+          </a:fillRef>
+          <a:effectRef idx="2">
+            <a:schemeClr val="accent1"/>
+          </a:effectRef>
+          <a:fontRef idx="minor">
+            <a:schemeClr val="lt1"/>
+          </a:fontRef>
+        </p:style>
+        <p:txBody>
+          <a:bodyPr/>
+          <a:p>
+            <a:r>
+              <a:rPr lang="en-GB" altLang="en-US"/>
+              <a:t> </a:t>
+            </a:r>
+            <a:endParaRPr lang="en-GB" altLang="en-US"/>
+          </a:p>
+          <a:p>
+            <a:r>
+              <a:rPr lang="en-GB" altLang="en-US"/>
+              <a:t>JSON output </a:t>
+            </a:r>
+            <a:endParaRPr lang="en-GB" altLang="en-US"/>
+          </a:p>
+        </p:txBody>
+      </p:sp>
+      <p:pic>
+        <p:nvPicPr>
+          <p:cNvPr id="11" name="Picture 10" descr="An_architectural_flow_diagram_illustrating_an_auto_converted.png"/>
+          <p:cNvPicPr>
+            <a:picLocks noChangeAspect="1"/>
+          </p:cNvPicPr>
+          <p:nvPr/>
+        </p:nvPicPr>
+        <p:blipFill>
+          <a:blip r:embed="rId1"/>
+          <a:stretch>
+            <a:fillRect/>
+          </a:stretch>
+        </p:blipFill>
+        <p:spPr>
+          <a:xfrm>
+            <a:off x="3359150" y="3712210"/>
+            <a:ext cx="2251075" cy="2200910"/>
+          </a:xfrm>
+          <a:prstGeom prst="rect">
+            <a:avLst/>
+          </a:prstGeom>
+        </p:spPr>
+      </p:pic>
     </p:spTree>
   </p:cSld>
   <p:clrMapOvr>
@@ -3375,9 +3807,26 @@
           <a:bodyPr/>
           <a:lstStyle/>
           <a:p>
-            <a:r>
-              <a:t>AI Model Processing Layer</a:t>
-            </a:r>
+            <a:pPr algn="ctr">
+              <a:buClrTx/>
+              <a:buSzTx/>
+              <a:buFontTx/>
+            </a:pPr>
+            <a:r>
+              <a:rPr lang="en-GB" altLang="en-US">
+                <a:solidFill>
+                  <a:schemeClr val="accent4"/>
+                </a:solidFill>
+                <a:effectLst/>
+              </a:rPr>
+              <a:t>Email Processing Layer</a:t>
+            </a:r>
+            <a:endParaRPr lang="en-GB" altLang="en-US">
+              <a:solidFill>
+                <a:schemeClr val="accent4"/>
+              </a:solidFill>
+              <a:effectLst/>
+            </a:endParaRPr>
           </a:p>
         </p:txBody>
       </p:sp>
@@ -3397,17 +3846,12 @@
           <a:lstStyle/>
           <a:p>
             <a:r>
-              <a:t>- Pass combined text to a pre-trained BERT model (or other LLM)</a:t>
-            </a:r>
-          </a:p>
-          <a:p>
-            <a:r>
-              <a:t>- Perform intent classification &amp; extract relevant entities</a:t>
-            </a:r>
-          </a:p>
-          <a:p>
-            <a:r>
-              <a:t>- Compute confidence score</a:t>
+              <a:t>- Extract email body text</a:t>
+            </a:r>
+          </a:p>
+          <a:p>
+            <a:r>
+              <a:t>- Extract attachments (PDF, DOC, etc.) using PyMuPDF, pdfminer.six, or python-docx</a:t>
             </a:r>
           </a:p>
         </p:txBody>
@@ -3445,9 +3889,26 @@
           <a:bodyPr/>
           <a:lstStyle/>
           <a:p>
-            <a:r>
-              <a:t>Service Ticket Creation</a:t>
-            </a:r>
+            <a:pPr algn="ctr">
+              <a:buClrTx/>
+              <a:buSzTx/>
+              <a:buFontTx/>
+            </a:pPr>
+            <a:r>
+              <a:rPr lang="en-GB" altLang="en-US">
+                <a:solidFill>
+                  <a:schemeClr val="accent4"/>
+                </a:solidFill>
+                <a:effectLst/>
+              </a:rPr>
+              <a:t>Text Aggregation &amp; Preprocessing</a:t>
+            </a:r>
+            <a:endParaRPr lang="en-GB" altLang="en-US">
+              <a:solidFill>
+                <a:schemeClr val="accent4"/>
+              </a:solidFill>
+              <a:effectLst/>
+            </a:endParaRPr>
           </a:p>
         </p:txBody>
       </p:sp>
@@ -3467,13 +3928,28 @@
           <a:lstStyle/>
           <a:p>
             <a:r>
-              <a:t>- If confidence score is high: auto-create ticket</a:t>
-            </a:r>
-          </a:p>
-          <a:p>
-            <a:r>
-              <a:t>- If confidence score is low: send for manual review</a:t>
-            </a:r>
+              <a:t>Combine extracted text</a:t>
+            </a:r>
+          </a:p>
+          <a:p>
+            <a:r>
+              <a:t>Clean and normalize data</a:t>
+            </a:r>
+            <a:r>
+              <a:rPr lang="en-GB"/>
+              <a:t> using </a:t>
+            </a:r>
+            <a:endParaRPr lang="en-GB"/>
+          </a:p>
+          <a:p>
+            <a:pPr marL="0" indent="0">
+              <a:buNone/>
+            </a:pPr>
+            <a:r>
+              <a:rPr lang="en-US" altLang="en-GB"/>
+              <a:t>lemmatizer</a:t>
+            </a:r>
+            <a:endParaRPr lang="en-US" altLang="en-GB"/>
           </a:p>
         </p:txBody>
       </p:sp>
@@ -3511,35 +3987,61 @@
           <a:lstStyle/>
           <a:p>
             <a:r>
-              <a:t>Architectural Flow Diagram</a:t>
-            </a:r>
-          </a:p>
-        </p:txBody>
-      </p:sp>
-      <p:pic>
-        <p:nvPicPr>
-          <p:cNvPr id="3" name="Picture 2" descr="An_architectural_flow_diagram_illustrating_an_auto_converted.png"/>
-          <p:cNvPicPr>
-            <a:picLocks noChangeAspect="1"/>
-          </p:cNvPicPr>
-          <p:nvPr/>
-        </p:nvPicPr>
-        <p:blipFill>
-          <a:blip r:embed="rId1"/>
-          <a:stretch>
-            <a:fillRect/>
-          </a:stretch>
-        </p:blipFill>
-        <p:spPr>
-          <a:xfrm>
-            <a:off x="2321560" y="1511300"/>
-            <a:ext cx="4870450" cy="4762500"/>
-          </a:xfrm>
-          <a:prstGeom prst="rect">
-            <a:avLst/>
-          </a:prstGeom>
-        </p:spPr>
-      </p:pic>
+              <a:rPr lang="en-GB" altLang="en-US">
+                <a:solidFill>
+                  <a:schemeClr val="accent4"/>
+                </a:solidFill>
+                <a:effectLst/>
+              </a:rPr>
+              <a:t>AI Model Processing Layer</a:t>
+            </a:r>
+            <a:endParaRPr lang="en-GB" altLang="en-US">
+              <a:solidFill>
+                <a:schemeClr val="accent4"/>
+              </a:solidFill>
+              <a:effectLst/>
+            </a:endParaRPr>
+          </a:p>
+        </p:txBody>
+      </p:sp>
+      <p:sp>
+        <p:nvSpPr>
+          <p:cNvPr id="3" name="Content Placeholder 2"/>
+          <p:cNvSpPr>
+            <a:spLocks noGrp="1"/>
+          </p:cNvSpPr>
+          <p:nvPr>
+            <p:ph idx="1"/>
+          </p:nvPr>
+        </p:nvSpPr>
+        <p:spPr/>
+        <p:txBody>
+          <a:bodyPr/>
+          <a:lstStyle/>
+          <a:p>
+            <a:r>
+              <a:t>Pass combined text to a pre-trained </a:t>
+            </a:r>
+            <a:r>
+              <a:rPr lang="en-GB"/>
+              <a:t>Llama </a:t>
+            </a:r>
+            <a:r>
+              <a:t>model </a:t>
+            </a:r>
+          </a:p>
+          <a:p>
+            <a:r>
+              <a:t> Perform intent classification &amp; extract relevant entities</a:t>
+            </a:r>
+          </a:p>
+          <a:p>
+            <a:r>
+              <a:t>Compute confidence score</a:t>
+            </a:r>
+          </a:p>
+        </p:txBody>
+      </p:sp>
     </p:spTree>
   </p:cSld>
   <p:clrMapOvr>

--- a/artifacts/demo/BinaryBrains_GAIED.pptx
+++ b/artifacts/demo/BinaryBrains_GAIED.pptx
@@ -3094,7 +3094,6 @@
           <a:p>
             <a:r>
               <a:rPr lang="en-GB">
-                <a:ln/>
                 <a:solidFill>
                   <a:schemeClr val="accent4"/>
                 </a:solidFill>
@@ -3103,7 +3102,6 @@
               <a:t>Gen AI Based Email Triageand OCR</a:t>
             </a:r>
             <a:endParaRPr lang="en-GB">
-              <a:ln/>
               <a:solidFill>
                 <a:schemeClr val="accent4"/>
               </a:solidFill>
@@ -3219,7 +3217,6 @@
           <a:p>
             <a:r>
               <a:rPr lang="en-GB">
-                <a:ln/>
                 <a:solidFill>
                   <a:schemeClr val="accent4"/>
                 </a:solidFill>
@@ -3229,7 +3226,6 @@
             </a:r>
             <a:r>
               <a:rPr>
-                <a:ln/>
                 <a:solidFill>
                   <a:schemeClr val="accent4"/>
                 </a:solidFill>
@@ -3238,7 +3234,6 @@
               <a:t>ntroduction</a:t>
             </a:r>
             <a:endParaRPr>
-              <a:ln/>
               <a:solidFill>
                 <a:schemeClr val="accent4"/>
               </a:solidFill>
@@ -3365,7 +3360,6 @@
           <a:p>
             <a:r>
               <a:rPr lang="en-GB" altLang="en-US">
-                <a:ln/>
                 <a:solidFill>
                   <a:schemeClr val="accent4"/>
                 </a:solidFill>
@@ -3374,7 +3368,6 @@
               <a:t>Tech stack</a:t>
             </a:r>
             <a:endParaRPr lang="en-GB" altLang="en-US">
-              <a:ln/>
               <a:solidFill>
                 <a:schemeClr val="accent4"/>
               </a:solidFill>
@@ -3455,8 +3448,27 @@
               <a:rPr lang="en-GB" altLang="en-US">
                 <a:sym typeface="+mn-ea"/>
               </a:rPr>
-              <a:t> </a:t>
-            </a:r>
+              <a:t>Python: programing language</a:t>
+            </a:r>
+            <a:endParaRPr lang="en-GB" altLang="en-US">
+              <a:sym typeface="+mn-ea"/>
+            </a:endParaRPr>
+          </a:p>
+          <a:p>
+            <a:r>
+              <a:rPr lang="en-GB" altLang="en-US">
+                <a:sym typeface="+mn-ea"/>
+              </a:rPr>
+              <a:t>IDE: VSCODE</a:t>
+            </a:r>
+            <a:endParaRPr lang="en-GB" altLang="en-US">
+              <a:sym typeface="+mn-ea"/>
+            </a:endParaRPr>
+          </a:p>
+          <a:p>
+            <a:pPr marL="0" indent="0">
+              <a:buNone/>
+            </a:pPr>
             <a:endParaRPr lang="en-GB" altLang="en-US"/>
           </a:p>
           <a:p>
@@ -3804,7 +3816,9 @@
         </p:nvSpPr>
         <p:spPr/>
         <p:txBody>
-          <a:bodyPr/>
+          <a:bodyPr>
+            <a:normAutofit fontScale="90000"/>
+          </a:bodyPr>
           <a:lstStyle/>
           <a:p>
             <a:pPr algn="ctr">
@@ -3819,7 +3833,7 @@
                 </a:solidFill>
                 <a:effectLst/>
               </a:rPr>
-              <a:t>Email Processing Layer</a:t>
+              <a:t>Current Implementation &amp; Limitations</a:t>
             </a:r>
             <a:endParaRPr lang="en-GB" altLang="en-US">
               <a:solidFill>
@@ -3842,17 +3856,257 @@
         </p:nvSpPr>
         <p:spPr/>
         <p:txBody>
-          <a:bodyPr/>
-          <a:lstStyle/>
-          <a:p>
-            <a:r>
-              <a:t>- Extract email body text</a:t>
-            </a:r>
-          </a:p>
-          <a:p>
-            <a:r>
-              <a:t>- Extract attachments (PDF, DOC, etc.) using PyMuPDF, pdfminer.six, or python-docx</a:t>
-            </a:r>
+          <a:bodyPr>
+            <a:normAutofit fontScale="30000"/>
+          </a:bodyPr>
+          <a:lstStyle/>
+          <a:p>
+            <a:pPr marL="0" indent="0">
+              <a:buNone/>
+            </a:pPr>
+            <a:r>
+              <a:rPr lang="en-US" altLang="en-GB" b="1" u="sng"/>
+              <a:t>Acheived:</a:t>
+            </a:r>
+            <a:endParaRPr lang="en-US" altLang="en-GB" b="1" u="sng"/>
+          </a:p>
+          <a:p>
+            <a:pPr marL="0" indent="0">
+              <a:buNone/>
+            </a:pPr>
+            <a:r>
+              <a:rPr lang="en-US" altLang="en-GB"/>
+              <a:t> </a:t>
+            </a:r>
+            <a:r>
+              <a:rPr lang="en-GB" altLang="en-US"/>
+              <a:t>1.W</a:t>
+            </a:r>
+            <a:r>
+              <a:rPr lang="en-US" altLang="en-GB"/>
+              <a:t>e have come up with an </a:t>
+            </a:r>
+            <a:r>
+              <a:rPr lang="en-GB" altLang="en-US"/>
+              <a:t>“</a:t>
+            </a:r>
+            <a:r>
+              <a:rPr lang="en-US" altLang="en-GB" b="1" u="sng"/>
+              <a:t>API</a:t>
+            </a:r>
+            <a:r>
+              <a:rPr lang="en-GB" altLang="en-US" b="1" u="sng"/>
+              <a:t>”</a:t>
+            </a:r>
+            <a:r>
+              <a:rPr lang="en-US" altLang="en-GB" b="1" u="sng"/>
+              <a:t> </a:t>
+            </a:r>
+            <a:r>
+              <a:rPr lang="en-US" altLang="en-GB"/>
+              <a:t>wc</a:t>
+            </a:r>
+            <a:r>
+              <a:rPr lang="en-GB" altLang="en-US"/>
+              <a:t>hich</a:t>
+            </a:r>
+            <a:r>
+              <a:rPr lang="en-US" altLang="en-GB"/>
+              <a:t> Accepts email in different formats (.pdf/.doc/.eml) along with attachments (.pdf/.doc</a:t>
+            </a:r>
+            <a:r>
+              <a:rPr lang="en-GB" altLang="en-US"/>
+              <a:t>/.txt</a:t>
+            </a:r>
+            <a:r>
+              <a:rPr lang="en-US" altLang="en-GB"/>
+              <a:t>) as  an input and returns "JSON" having classification details such as </a:t>
+            </a:r>
+            <a:endParaRPr lang="en-US" altLang="en-GB"/>
+          </a:p>
+          <a:p>
+            <a:pPr lvl="1">
+              <a:buFont typeface="Wingdings" panose="05000000000000000000" charset="0"/>
+              <a:buChar char="Ø"/>
+            </a:pPr>
+            <a:r>
+              <a:rPr lang="en-US" altLang="en-GB"/>
+              <a:t>   request type</a:t>
+            </a:r>
+            <a:endParaRPr lang="en-US" altLang="en-GB"/>
+          </a:p>
+          <a:p>
+            <a:pPr lvl="1">
+              <a:buFont typeface="Wingdings" panose="05000000000000000000" charset="0"/>
+              <a:buChar char="Ø"/>
+            </a:pPr>
+            <a:r>
+              <a:rPr lang="en-US" altLang="en-GB"/>
+              <a:t>   sub request type</a:t>
+            </a:r>
+            <a:endParaRPr lang="en-US" altLang="en-GB"/>
+          </a:p>
+          <a:p>
+            <a:pPr lvl="1">
+              <a:buFont typeface="Wingdings" panose="05000000000000000000" charset="0"/>
+              <a:buChar char="Ø"/>
+            </a:pPr>
+            <a:r>
+              <a:rPr lang="en-US" altLang="en-GB"/>
+              <a:t>   confidence score</a:t>
+            </a:r>
+            <a:endParaRPr lang="en-US" altLang="en-GB"/>
+          </a:p>
+          <a:p>
+            <a:pPr lvl="1">
+              <a:buFont typeface="Wingdings" panose="05000000000000000000" charset="0"/>
+              <a:buChar char="Ø"/>
+            </a:pPr>
+            <a:r>
+              <a:rPr lang="en-US" altLang="en-GB"/>
+              <a:t>   urgency</a:t>
+            </a:r>
+            <a:endParaRPr lang="en-US" altLang="en-GB"/>
+          </a:p>
+          <a:p>
+            <a:pPr lvl="1">
+              <a:buFont typeface="Wingdings" panose="05000000000000000000" charset="0"/>
+              <a:buChar char="Ø"/>
+            </a:pPr>
+            <a:r>
+              <a:rPr lang="en-US" altLang="en-GB"/>
+              <a:t>   keyPhrases</a:t>
+            </a:r>
+            <a:endParaRPr lang="en-US" altLang="en-GB"/>
+          </a:p>
+          <a:p>
+            <a:pPr marL="0" indent="0">
+              <a:buNone/>
+            </a:pPr>
+            <a:r>
+              <a:rPr lang="en-US" altLang="en-GB"/>
+              <a:t>details  as attributes</a:t>
+            </a:r>
+            <a:endParaRPr lang="en-US" altLang="en-GB"/>
+          </a:p>
+          <a:p>
+            <a:endParaRPr lang="en-US" altLang="en-GB"/>
+          </a:p>
+          <a:p>
+            <a:pPr marL="0" indent="0">
+              <a:buNone/>
+            </a:pPr>
+            <a:r>
+              <a:rPr lang="en-US" altLang="en-GB"/>
+              <a:t> with the results we can determine </a:t>
+            </a:r>
+            <a:endParaRPr lang="en-US" altLang="en-GB"/>
+          </a:p>
+          <a:p>
+            <a:pPr>
+              <a:buFont typeface="Wingdings" panose="05000000000000000000" charset="0"/>
+              <a:buChar char="Ø"/>
+            </a:pPr>
+            <a:r>
+              <a:rPr lang="en-US" altLang="en-GB"/>
+              <a:t> improtance of email using "urgency" attribute </a:t>
+            </a:r>
+            <a:endParaRPr lang="en-US" altLang="en-GB"/>
+          </a:p>
+          <a:p>
+            <a:pPr>
+              <a:buFont typeface="Wingdings" panose="05000000000000000000" charset="0"/>
+              <a:buChar char="Ø"/>
+            </a:pPr>
+            <a:r>
+              <a:rPr lang="en-US" altLang="en-GB"/>
+              <a:t>classify email based on "request type" and "sub request type" </a:t>
+            </a:r>
+            <a:endParaRPr lang="en-US" altLang="en-GB"/>
+          </a:p>
+          <a:p>
+            <a:pPr>
+              <a:buFont typeface="Wingdings" panose="05000000000000000000" charset="0"/>
+              <a:buChar char="Ø"/>
+            </a:pPr>
+            <a:r>
+              <a:rPr lang="en-US" altLang="en-GB"/>
+              <a:t>can create "service reqeust" ticket based on "confidence score"</a:t>
+            </a:r>
+            <a:endParaRPr lang="en-US" altLang="en-GB"/>
+          </a:p>
+          <a:p>
+            <a:endParaRPr lang="en-US" altLang="en-GB"/>
+          </a:p>
+          <a:p>
+            <a:pPr marL="0" indent="0">
+              <a:buNone/>
+            </a:pPr>
+            <a:r>
+              <a:rPr lang="en-GB" altLang="en-US"/>
+              <a:t>2.</a:t>
+            </a:r>
+            <a:r>
+              <a:rPr lang="en-US" altLang="en-GB"/>
+              <a:t>we can enhance requesttype and sub request type in future through configuration provided.</a:t>
+            </a:r>
+            <a:endParaRPr lang="en-US" altLang="en-GB"/>
+          </a:p>
+          <a:p>
+            <a:pPr marL="0" indent="0">
+              <a:buNone/>
+            </a:pPr>
+            <a:r>
+              <a:rPr lang="en-US" altLang="en-GB" b="1" u="sng"/>
+              <a:t>Limitations:</a:t>
+            </a:r>
+            <a:endParaRPr lang="en-US" altLang="en-GB" b="1" u="sng"/>
+          </a:p>
+          <a:p>
+            <a:pPr marL="0" indent="0">
+              <a:buNone/>
+            </a:pPr>
+            <a:endParaRPr lang="en-US" altLang="en-GB" b="1" u="sng"/>
+          </a:p>
+          <a:p>
+            <a:pPr>
+              <a:buAutoNum type="arabicPeriod"/>
+            </a:pPr>
+            <a:r>
+              <a:rPr lang="en-GB" altLang="en-US"/>
+              <a:t> can scale it to process images in attachment and html content in email boady</a:t>
+            </a:r>
+            <a:endParaRPr lang="en-GB" altLang="en-US"/>
+          </a:p>
+          <a:p>
+            <a:pPr>
+              <a:buAutoNum type="arabicPeriod"/>
+            </a:pPr>
+            <a:r>
+              <a:rPr lang="en-GB" altLang="en-US"/>
+              <a:t>Need to finetune it for spam detection</a:t>
+            </a:r>
+            <a:endParaRPr lang="en-GB" altLang="en-US"/>
+          </a:p>
+          <a:p>
+            <a:pPr>
+              <a:buAutoNum type="arabicPeriod"/>
+            </a:pPr>
+            <a:r>
+              <a:rPr lang="en-GB" altLang="en-US"/>
+              <a:t>S</a:t>
+            </a:r>
+            <a:r>
+              <a:rPr lang="en-US" altLang="en-GB"/>
+              <a:t>cope for scaling it to "service reqeuest generation tool" ingegration to create tickets.</a:t>
+            </a:r>
+            <a:endParaRPr lang="en-US" altLang="en-GB"/>
+          </a:p>
+          <a:p>
+            <a:pPr marL="0" indent="0">
+              <a:buNone/>
+            </a:pPr>
+            <a:endParaRPr lang="en-US" altLang="en-GB"/>
           </a:p>
         </p:txBody>
       </p:sp>
@@ -3895,15 +4149,15 @@
               <a:buFontTx/>
             </a:pPr>
             <a:r>
-              <a:rPr lang="en-GB" altLang="en-US">
+              <a:rPr lang="en-US" altLang="en-GB">
                 <a:solidFill>
                   <a:schemeClr val="accent4"/>
                 </a:solidFill>
                 <a:effectLst/>
               </a:rPr>
-              <a:t>Text Aggregation &amp; Preprocessing</a:t>
-            </a:r>
-            <a:endParaRPr lang="en-GB" altLang="en-US">
+              <a:t>How We Built It</a:t>
+            </a:r>
+            <a:endParaRPr lang="en-US" altLang="en-GB">
               <a:solidFill>
                 <a:schemeClr val="accent4"/>
               </a:solidFill>
@@ -3924,22 +4178,31 @@
         </p:nvSpPr>
         <p:spPr/>
         <p:txBody>
-          <a:bodyPr/>
-          <a:lstStyle/>
-          <a:p>
-            <a:r>
-              <a:t>Combine extracted text</a:t>
-            </a:r>
-          </a:p>
-          <a:p>
-            <a:r>
-              <a:t>Clean and normalize data</a:t>
-            </a:r>
-            <a:r>
-              <a:rPr lang="en-GB"/>
-              <a:t> using </a:t>
-            </a:r>
-            <a:endParaRPr lang="en-GB"/>
+          <a:bodyPr>
+            <a:normAutofit fontScale="70000"/>
+          </a:bodyPr>
+          <a:lstStyle/>
+          <a:p>
+            <a:r>
+              <a:rPr lang="en-US" altLang="en-GB" i="1" u="sng"/>
+              <a:t>step 1</a:t>
+            </a:r>
+            <a:r>
+              <a:rPr lang="en-US" altLang="en-GB"/>
+              <a:t>: API will take the input file ( .docx/.pdf/.txt/.eml) ( email_Doc_triage.py)</a:t>
+            </a:r>
+            <a:endParaRPr lang="en-US" altLang="en-GB"/>
+          </a:p>
+          <a:p>
+            <a:r>
+              <a:rPr lang="en-US" altLang="en-GB" i="1" u="sng"/>
+              <a:t>step 2</a:t>
+            </a:r>
+            <a:r>
+              <a:rPr lang="en-US" altLang="en-GB"/>
+              <a:t>: Data preprocessing</a:t>
+            </a:r>
+            <a:endParaRPr lang="en-US" altLang="en-GB"/>
           </a:p>
           <a:p>
             <a:pPr marL="0" indent="0">
@@ -3947,7 +4210,38 @@
             </a:pPr>
             <a:r>
               <a:rPr lang="en-US" altLang="en-GB"/>
-              <a:t>lemmatizer</a:t>
+              <a:t>         -Cleans and preprocesses email text for better model performance </a:t>
+            </a:r>
+            <a:endParaRPr lang="en-US" altLang="en-GB"/>
+          </a:p>
+          <a:p>
+            <a:pPr marL="0" indent="0">
+              <a:buNone/>
+            </a:pPr>
+            <a:r>
+              <a:rPr lang="en-US" altLang="en-GB"/>
+              <a:t>        -part of performing  data preprocessing we are doing cleaning of text ( predictor.py) and lemmetization(preproocess.py) using nltk</a:t>
+            </a:r>
+            <a:endParaRPr lang="en-US" altLang="en-GB"/>
+          </a:p>
+          <a:p>
+            <a:r>
+              <a:rPr lang="en-US" altLang="en-GB" i="1" u="sng"/>
+              <a:t>step 3</a:t>
+            </a:r>
+            <a:r>
+              <a:rPr lang="en-US" altLang="en-GB"/>
+              <a:t>: connect to LLAMA3  api using together API platform and perform email classification by</a:t>
+            </a:r>
+            <a:endParaRPr lang="en-US" altLang="en-GB"/>
+          </a:p>
+          <a:p>
+            <a:pPr marL="0" indent="0">
+              <a:buNone/>
+            </a:pPr>
+            <a:r>
+              <a:rPr lang="en-US" altLang="en-GB"/>
+              <a:t>        -reading content from uploaded file (.eml/.pdf/.docx/.txt)          -along with attachment (.pdf/.docx/.txt) </a:t>
             </a:r>
             <a:endParaRPr lang="en-US" altLang="en-GB"/>
           </a:p>
@@ -3993,7 +4287,7 @@
                 </a:solidFill>
                 <a:effectLst/>
               </a:rPr>
-              <a:t>AI Model Processing Layer</a:t>
+              <a:t>Tests covered</a:t>
             </a:r>
             <a:endParaRPr lang="en-GB" altLang="en-US">
               <a:solidFill>
@@ -4016,29 +4310,135 @@
         </p:nvSpPr>
         <p:spPr/>
         <p:txBody>
-          <a:bodyPr/>
-          <a:lstStyle/>
-          <a:p>
-            <a:r>
-              <a:t>Pass combined text to a pre-trained </a:t>
-            </a:r>
-            <a:r>
-              <a:rPr lang="en-GB"/>
-              <a:t>Llama </a:t>
-            </a:r>
-            <a:r>
-              <a:t>model </a:t>
-            </a:r>
-          </a:p>
-          <a:p>
-            <a:r>
-              <a:t> Perform intent classification &amp; extract relevant entities</a:t>
-            </a:r>
-          </a:p>
-          <a:p>
-            <a:r>
-              <a:t>Compute confidence score</a:t>
-            </a:r>
+          <a:bodyPr>
+            <a:normAutofit fontScale="50000"/>
+          </a:bodyPr>
+          <a:lstStyle/>
+          <a:p>
+            <a:pPr marL="0" indent="0">
+              <a:buNone/>
+            </a:pPr>
+            <a:r>
+              <a:rPr lang="en-US" altLang="en-GB"/>
+              <a:t>executed following test cases with the api we have developed.</a:t>
+            </a:r>
+            <a:endParaRPr lang="en-US" altLang="en-GB"/>
+          </a:p>
+          <a:p>
+            <a:endParaRPr lang="en-US" altLang="en-GB"/>
+          </a:p>
+          <a:p>
+            <a:pPr marL="0" indent="0">
+              <a:buNone/>
+            </a:pPr>
+            <a:r>
+              <a:rPr lang="en-US" altLang="en-GB"/>
+              <a:t>-upload plain text file</a:t>
+            </a:r>
+            <a:endParaRPr lang="en-US" altLang="en-GB"/>
+          </a:p>
+          <a:p>
+            <a:pPr marL="0" indent="0">
+              <a:buNone/>
+            </a:pPr>
+            <a:r>
+              <a:rPr lang="en-US" altLang="en-GB"/>
+              <a:t>   use uploads/sample.txt</a:t>
+            </a:r>
+            <a:endParaRPr lang="en-US" altLang="en-GB"/>
+          </a:p>
+          <a:p>
+            <a:pPr marL="0" indent="0">
+              <a:buNone/>
+            </a:pPr>
+            <a:r>
+              <a:rPr lang="en-US" altLang="en-GB"/>
+              <a:t>-upload docx file</a:t>
+            </a:r>
+            <a:endParaRPr lang="en-US" altLang="en-GB"/>
+          </a:p>
+          <a:p>
+            <a:pPr marL="0" indent="0">
+              <a:buNone/>
+            </a:pPr>
+            <a:r>
+              <a:rPr lang="en-US" altLang="en-GB"/>
+              <a:t>   use uploads/documentsumbmissionforLoanApproval.docx</a:t>
+            </a:r>
+            <a:endParaRPr lang="en-US" altLang="en-GB"/>
+          </a:p>
+          <a:p>
+            <a:pPr marL="0" indent="0">
+              <a:buNone/>
+            </a:pPr>
+            <a:r>
+              <a:rPr lang="en-US" altLang="en-GB"/>
+              <a:t>-upload pdf file</a:t>
+            </a:r>
+            <a:endParaRPr lang="en-US" altLang="en-GB"/>
+          </a:p>
+          <a:p>
+            <a:pPr marL="0" indent="0">
+              <a:buNone/>
+            </a:pPr>
+            <a:r>
+              <a:rPr lang="en-US" altLang="en-GB"/>
+              <a:t>  use uploads/emailattachment.pdf</a:t>
+            </a:r>
+            <a:endParaRPr lang="en-US" altLang="en-GB"/>
+          </a:p>
+          <a:p>
+            <a:pPr marL="0" indent="0">
+              <a:buNone/>
+            </a:pPr>
+            <a:r>
+              <a:rPr lang="en-US" altLang="en-GB"/>
+              <a:t>-upload .eml file</a:t>
+            </a:r>
+            <a:endParaRPr lang="en-US" altLang="en-GB"/>
+          </a:p>
+          <a:p>
+            <a:pPr marL="0" indent="0">
+              <a:buNone/>
+            </a:pPr>
+            <a:r>
+              <a:rPr lang="en-US" altLang="en-GB"/>
+              <a:t>   use uploads/loan_application.eml</a:t>
+            </a:r>
+            <a:endParaRPr lang="en-US" altLang="en-GB"/>
+          </a:p>
+          <a:p>
+            <a:pPr marL="0" indent="0">
+              <a:buNone/>
+            </a:pPr>
+            <a:r>
+              <a:rPr lang="en-US" altLang="en-GB"/>
+              <a:t>-upload .eml with attachment</a:t>
+            </a:r>
+            <a:endParaRPr lang="en-US" altLang="en-GB"/>
+          </a:p>
+          <a:p>
+            <a:pPr marL="0" indent="0">
+              <a:buNone/>
+            </a:pPr>
+            <a:r>
+              <a:rPr lang="en-US" altLang="en-GB"/>
+              <a:t>    use uploads/loan_application_with_attachments.eml</a:t>
+            </a:r>
+            <a:endParaRPr lang="en-US" altLang="en-GB"/>
+          </a:p>
+          <a:p>
+            <a:endParaRPr lang="en-US" altLang="en-GB"/>
+          </a:p>
+          <a:p>
+            <a:pPr marL="0" indent="0">
+              <a:buNone/>
+            </a:pPr>
+            <a:r>
+              <a:rPr lang="en-US" altLang="en-GB"/>
+              <a:t>    ## attached test results code\test\BinaryBrain _TestResultsscreenshots.docx</a:t>
+            </a:r>
+            <a:endParaRPr lang="en-US" altLang="en-GB"/>
           </a:p>
         </p:txBody>
       </p:sp>
